--- a/other/pptx/orthogonal-decomposition.pptx
+++ b/other/pptx/orthogonal-decomposition.pptx
@@ -197,7 +197,7 @@
           <a:p>
             <a:fld id="{6E10BCF0-339F-BC49-A140-3C4E6D0CEBFA}" type="datetimeFigureOut">
               <a:rPr lang="en-US" smtClean="0"/>
-              <a:t>1/11/24</a:t>
+              <a:t>3/10/24</a:t>
             </a:fld>
             <a:endParaRPr lang="en-US"/>
           </a:p>
@@ -695,7 +695,7 @@
           <a:p>
             <a:fld id="{9D275D05-B5B6-5946-BDB9-49EE6FE80DE5}" type="datetimeFigureOut">
               <a:rPr lang="en-US" smtClean="0"/>
-              <a:t>1/11/24</a:t>
+              <a:t>3/10/24</a:t>
             </a:fld>
             <a:endParaRPr lang="en-US"/>
           </a:p>
@@ -893,7 +893,7 @@
           <a:p>
             <a:fld id="{9D275D05-B5B6-5946-BDB9-49EE6FE80DE5}" type="datetimeFigureOut">
               <a:rPr lang="en-US" smtClean="0"/>
-              <a:t>1/11/24</a:t>
+              <a:t>3/10/24</a:t>
             </a:fld>
             <a:endParaRPr lang="en-US"/>
           </a:p>
@@ -1101,7 +1101,7 @@
           <a:p>
             <a:fld id="{9D275D05-B5B6-5946-BDB9-49EE6FE80DE5}" type="datetimeFigureOut">
               <a:rPr lang="en-US" smtClean="0"/>
-              <a:t>1/11/24</a:t>
+              <a:t>3/10/24</a:t>
             </a:fld>
             <a:endParaRPr lang="en-US"/>
           </a:p>
@@ -1299,7 +1299,7 @@
           <a:p>
             <a:fld id="{9D275D05-B5B6-5946-BDB9-49EE6FE80DE5}" type="datetimeFigureOut">
               <a:rPr lang="en-US" smtClean="0"/>
-              <a:t>1/11/24</a:t>
+              <a:t>3/10/24</a:t>
             </a:fld>
             <a:endParaRPr lang="en-US"/>
           </a:p>
@@ -1574,7 +1574,7 @@
           <a:p>
             <a:fld id="{9D275D05-B5B6-5946-BDB9-49EE6FE80DE5}" type="datetimeFigureOut">
               <a:rPr lang="en-US" smtClean="0"/>
-              <a:t>1/11/24</a:t>
+              <a:t>3/10/24</a:t>
             </a:fld>
             <a:endParaRPr lang="en-US"/>
           </a:p>
@@ -1839,7 +1839,7 @@
           <a:p>
             <a:fld id="{9D275D05-B5B6-5946-BDB9-49EE6FE80DE5}" type="datetimeFigureOut">
               <a:rPr lang="en-US" smtClean="0"/>
-              <a:t>1/11/24</a:t>
+              <a:t>3/10/24</a:t>
             </a:fld>
             <a:endParaRPr lang="en-US"/>
           </a:p>
@@ -2251,7 +2251,7 @@
           <a:p>
             <a:fld id="{9D275D05-B5B6-5946-BDB9-49EE6FE80DE5}" type="datetimeFigureOut">
               <a:rPr lang="en-US" smtClean="0"/>
-              <a:t>1/11/24</a:t>
+              <a:t>3/10/24</a:t>
             </a:fld>
             <a:endParaRPr lang="en-US"/>
           </a:p>
@@ -2392,7 +2392,7 @@
           <a:p>
             <a:fld id="{9D275D05-B5B6-5946-BDB9-49EE6FE80DE5}" type="datetimeFigureOut">
               <a:rPr lang="en-US" smtClean="0"/>
-              <a:t>1/11/24</a:t>
+              <a:t>3/10/24</a:t>
             </a:fld>
             <a:endParaRPr lang="en-US"/>
           </a:p>
@@ -2505,7 +2505,7 @@
           <a:p>
             <a:fld id="{9D275D05-B5B6-5946-BDB9-49EE6FE80DE5}" type="datetimeFigureOut">
               <a:rPr lang="en-US" smtClean="0"/>
-              <a:t>1/11/24</a:t>
+              <a:t>3/10/24</a:t>
             </a:fld>
             <a:endParaRPr lang="en-US"/>
           </a:p>
@@ -2816,7 +2816,7 @@
           <a:p>
             <a:fld id="{9D275D05-B5B6-5946-BDB9-49EE6FE80DE5}" type="datetimeFigureOut">
               <a:rPr lang="en-US" smtClean="0"/>
-              <a:t>1/11/24</a:t>
+              <a:t>3/10/24</a:t>
             </a:fld>
             <a:endParaRPr lang="en-US"/>
           </a:p>
@@ -3104,7 +3104,7 @@
           <a:p>
             <a:fld id="{9D275D05-B5B6-5946-BDB9-49EE6FE80DE5}" type="datetimeFigureOut">
               <a:rPr lang="en-US" smtClean="0"/>
-              <a:t>1/11/24</a:t>
+              <a:t>3/10/24</a:t>
             </a:fld>
             <a:endParaRPr lang="en-US"/>
           </a:p>
@@ -3345,7 +3345,7 @@
           <a:p>
             <a:fld id="{9D275D05-B5B6-5946-BDB9-49EE6FE80DE5}" type="datetimeFigureOut">
               <a:rPr lang="en-US" smtClean="0"/>
-              <a:t>1/11/24</a:t>
+              <a:t>3/10/24</a:t>
             </a:fld>
             <a:endParaRPr lang="en-US"/>
           </a:p>
@@ -3764,10 +3764,10 @@
       </p:grpSpPr>
       <p:grpSp>
         <p:nvGrpSpPr>
-          <p:cNvPr id="35" name="Group 34">
-            <a:extLst>
-              <a:ext uri="{FF2B5EF4-FFF2-40B4-BE49-F238E27FC236}">
-                <a16:creationId xmlns:a16="http://schemas.microsoft.com/office/drawing/2014/main" id="{B4F1932D-24B4-4D13-0ED1-8872C6C3C46F}"/>
+          <p:cNvPr id="2" name="Group 1">
+            <a:extLst>
+              <a:ext uri="{FF2B5EF4-FFF2-40B4-BE49-F238E27FC236}">
+                <a16:creationId xmlns:a16="http://schemas.microsoft.com/office/drawing/2014/main" id="{7E8BE8B3-C3D0-051B-4EC0-26ABC63C48D0}"/>
               </a:ext>
             </a:extLst>
           </p:cNvPr>
@@ -3806,7 +3806,7 @@
             </a:prstGeom>
             <a:ln w="38100">
               <a:solidFill>
-                <a:schemeClr val="accent6"/>
+                <a:srgbClr val="00BD67"/>
               </a:solidFill>
             </a:ln>
           </p:spPr>
@@ -3907,7 +3907,7 @@
             </a:prstGeom>
             <a:ln w="38100">
               <a:solidFill>
-                <a:schemeClr val="accent6"/>
+                <a:srgbClr val="00BD67"/>
               </a:solidFill>
               <a:prstDash val="dash"/>
             </a:ln>
@@ -3951,7 +3951,7 @@
             </a:prstGeom>
             <a:ln w="38100">
               <a:solidFill>
-                <a:schemeClr val="accent6"/>
+                <a:srgbClr val="00BD67"/>
               </a:solidFill>
               <a:tailEnd type="none"/>
             </a:ln>
@@ -4050,7 +4050,7 @@
             </a:prstGeom>
             <a:ln w="38100">
               <a:solidFill>
-                <a:srgbClr val="0069B3"/>
+                <a:srgbClr val="E7004A"/>
               </a:solidFill>
               <a:tailEnd type="triangle" w="lg" len="lg"/>
             </a:ln>
@@ -4095,7 +4095,7 @@
             </a:prstGeom>
             <a:ln w="38100">
               <a:solidFill>
-                <a:srgbClr val="E7004A"/>
+                <a:srgbClr val="0069B3"/>
               </a:solidFill>
               <a:miter lim="800000"/>
               <a:tailEnd type="triangle" w="lg" len="lg"/>
@@ -4195,7 +4195,7 @@
             </a:prstGeom>
             <a:ln w="38100">
               <a:solidFill>
-                <a:schemeClr val="accent6"/>
+                <a:srgbClr val="00BD67"/>
               </a:solidFill>
               <a:headEnd type="triangle" w="lg" len="lg"/>
               <a:tailEnd type="none"/>
@@ -4239,7 +4239,7 @@
               <a:avLst/>
             </a:prstGeom>
             <a:solidFill>
-              <a:srgbClr val="0069B3"/>
+              <a:srgbClr val="E7004A"/>
             </a:solidFill>
             <a:ln>
               <a:noFill/>
@@ -4293,7 +4293,7 @@
               <a:avLst/>
             </a:prstGeom>
             <a:solidFill>
-              <a:srgbClr val="E7004A"/>
+              <a:srgbClr val="0069B3"/>
             </a:solidFill>
             <a:ln>
               <a:noFill/>
